--- a/Presentations/IBot 6 Final Presentation.pptx
+++ b/Presentations/IBot 6 Final Presentation.pptx
@@ -6907,8 +6907,8 @@
         </p:blipFill>
         <p:spPr>
           <a:xfrm>
-            <a:off x="1641575" y="668924"/>
-            <a:ext cx="5961600" cy="4428324"/>
+            <a:off x="1151500" y="576674"/>
+            <a:ext cx="6162875" cy="4566825"/>
           </a:xfrm>
           <a:prstGeom prst="rect">
             <a:avLst/>
@@ -7514,7 +7514,7 @@
                 <a:cs typeface="Arial"/>
                 <a:sym typeface="Arial"/>
               </a:rPr>
-              <a:t>Mocha: A flexifble and descriptive Javascript testing framwork</a:t>
+              <a:t>Mocha: A flexifble and descriptive Javascript testing framework</a:t>
             </a:r>
           </a:p>
           <a:p>
@@ -7763,7 +7763,7 @@
             <a:tbl>
               <a:tblPr>
                 <a:noFill/>
-                <a:tableStyleId>{655801AE-8A3A-4924-9391-51DC80237B0F}</a:tableStyleId>
+                <a:tableStyleId>{C1D4C443-2963-46CE-B22F-F1593F765093}</a:tableStyleId>
               </a:tblPr>
               <a:tblGrid>
                 <a:gridCol w="695000"/>
@@ -8339,7 +8339,7 @@
             <a:tbl>
               <a:tblPr>
                 <a:noFill/>
-                <a:tableStyleId>{655801AE-8A3A-4924-9391-51DC80237B0F}</a:tableStyleId>
+                <a:tableStyleId>{C1D4C443-2963-46CE-B22F-F1593F765093}</a:tableStyleId>
               </a:tblPr>
               <a:tblGrid>
                 <a:gridCol w="711650"/>
@@ -9004,6 +9004,18 @@
             </a:r>
           </a:p>
           <a:p>
+            <a:pPr indent="-228600" lvl="0" marL="457200" rtl="0">
+              <a:spcBef>
+                <a:spcPts val="0"/>
+              </a:spcBef>
+              <a:buChar char="➢"/>
+            </a:pPr>
+            <a:r>
+              <a:rPr lang="zh-CN"/>
+              <a:t>Future Extension</a:t>
+            </a:r>
+          </a:p>
+          <a:p>
             <a:pPr indent="-228600" lvl="0" marL="457200">
               <a:spcBef>
                 <a:spcPts val="0"/>
@@ -9011,9 +9023,9 @@
               <a:buChar char="➢"/>
             </a:pPr>
             <a:r>
-              <a:t/>
-            </a:r>
-            <a:endParaRPr/>
+              <a:rPr lang="zh-CN"/>
+              <a:t>Lesson Learned</a:t>
+            </a:r>
           </a:p>
         </p:txBody>
       </p:sp>
@@ -10034,7 +10046,7 @@
                 <a:cs typeface="Arial"/>
                 <a:sym typeface="Arial"/>
               </a:rPr>
-              <a:t>Some certain daily tasks employees do everyday require cumbersome steps and unnecessary complexity. </a:t>
+              <a:t>Some certain daily tasks employees do every day require cumbersome steps and unnecessary complexity. </a:t>
             </a:r>
           </a:p>
           <a:p>
@@ -10246,7 +10258,7 @@
                 <a:cs typeface="Arial"/>
                 <a:sym typeface="Arial"/>
               </a:rPr>
-              <a:t>Gather feedback from user in order to continously improve our product</a:t>
+              <a:t>Gather feedback from user in order to continuously improve our product</a:t>
             </a:r>
           </a:p>
           <a:p>
@@ -11191,7 +11203,7 @@
                 <a:cs typeface="Arial"/>
                 <a:sym typeface="Arial"/>
               </a:rPr>
-              <a:t>Service coule be able to scale up when demand increases</a:t>
+              <a:t>Service could be able to scale up when demand increases</a:t>
             </a:r>
           </a:p>
           <a:p>
@@ -11218,7 +11230,7 @@
                 <a:cs typeface="Arial"/>
                 <a:sym typeface="Arial"/>
               </a:rPr>
-              <a:t>Users of the bot are able to complete the desired task in under 3 tries.</a:t>
+              <a:t>Users of the bot are able to complete the desired task under 3 tries.</a:t>
             </a:r>
           </a:p>
           <a:p>
